--- a/HighCondRepresentativeModelTests/HighCondModels_PSCCurrents/Plots/SDprox2RepresentativeCurrents2.pptx
+++ b/HighCondRepresentativeModelTests/HighCondModels_PSCCurrents/Plots/SDprox2RepresentativeCurrents2.pptx
@@ -243,7 +243,7 @@
           <a:p>
             <a:fld id="{13B4EEC1-59A0-6147-A616-EE74AE21FFF0}" type="datetimeFigureOut">
               <a:rPr lang="en-US" smtClean="0"/>
-              <a:t>9/19/17</a:t>
+              <a:t>10/16/17</a:t>
             </a:fld>
             <a:endParaRPr lang="en-US"/>
           </a:p>
@@ -408,7 +408,7 @@
           <a:p>
             <a:fld id="{13B4EEC1-59A0-6147-A616-EE74AE21FFF0}" type="datetimeFigureOut">
               <a:rPr lang="en-US" smtClean="0"/>
-              <a:t>9/19/17</a:t>
+              <a:t>10/16/17</a:t>
             </a:fld>
             <a:endParaRPr lang="en-US"/>
           </a:p>
@@ -583,7 +583,7 @@
           <a:p>
             <a:fld id="{13B4EEC1-59A0-6147-A616-EE74AE21FFF0}" type="datetimeFigureOut">
               <a:rPr lang="en-US" smtClean="0"/>
-              <a:t>9/19/17</a:t>
+              <a:t>10/16/17</a:t>
             </a:fld>
             <a:endParaRPr lang="en-US"/>
           </a:p>
@@ -748,7 +748,7 @@
           <a:p>
             <a:fld id="{13B4EEC1-59A0-6147-A616-EE74AE21FFF0}" type="datetimeFigureOut">
               <a:rPr lang="en-US" smtClean="0"/>
-              <a:t>9/19/17</a:t>
+              <a:t>10/16/17</a:t>
             </a:fld>
             <a:endParaRPr lang="en-US"/>
           </a:p>
@@ -987,7 +987,7 @@
           <a:p>
             <a:fld id="{13B4EEC1-59A0-6147-A616-EE74AE21FFF0}" type="datetimeFigureOut">
               <a:rPr lang="en-US" smtClean="0"/>
-              <a:t>9/19/17</a:t>
+              <a:t>10/16/17</a:t>
             </a:fld>
             <a:endParaRPr lang="en-US"/>
           </a:p>
@@ -1214,7 +1214,7 @@
           <a:p>
             <a:fld id="{13B4EEC1-59A0-6147-A616-EE74AE21FFF0}" type="datetimeFigureOut">
               <a:rPr lang="en-US" smtClean="0"/>
-              <a:t>9/19/17</a:t>
+              <a:t>10/16/17</a:t>
             </a:fld>
             <a:endParaRPr lang="en-US"/>
           </a:p>
@@ -1576,7 +1576,7 @@
           <a:p>
             <a:fld id="{13B4EEC1-59A0-6147-A616-EE74AE21FFF0}" type="datetimeFigureOut">
               <a:rPr lang="en-US" smtClean="0"/>
-              <a:t>9/19/17</a:t>
+              <a:t>10/16/17</a:t>
             </a:fld>
             <a:endParaRPr lang="en-US"/>
           </a:p>
@@ -1689,7 +1689,7 @@
           <a:p>
             <a:fld id="{13B4EEC1-59A0-6147-A616-EE74AE21FFF0}" type="datetimeFigureOut">
               <a:rPr lang="en-US" smtClean="0"/>
-              <a:t>9/19/17</a:t>
+              <a:t>10/16/17</a:t>
             </a:fld>
             <a:endParaRPr lang="en-US"/>
           </a:p>
@@ -1779,7 +1779,7 @@
           <a:p>
             <a:fld id="{13B4EEC1-59A0-6147-A616-EE74AE21FFF0}" type="datetimeFigureOut">
               <a:rPr lang="en-US" smtClean="0"/>
-              <a:t>9/19/17</a:t>
+              <a:t>10/16/17</a:t>
             </a:fld>
             <a:endParaRPr lang="en-US"/>
           </a:p>
@@ -2051,7 +2051,7 @@
           <a:p>
             <a:fld id="{13B4EEC1-59A0-6147-A616-EE74AE21FFF0}" type="datetimeFigureOut">
               <a:rPr lang="en-US" smtClean="0"/>
-              <a:t>9/19/17</a:t>
+              <a:t>10/16/17</a:t>
             </a:fld>
             <a:endParaRPr lang="en-US"/>
           </a:p>
@@ -2303,7 +2303,7 @@
           <a:p>
             <a:fld id="{13B4EEC1-59A0-6147-A616-EE74AE21FFF0}" type="datetimeFigureOut">
               <a:rPr lang="en-US" smtClean="0"/>
-              <a:t>9/19/17</a:t>
+              <a:t>10/16/17</a:t>
             </a:fld>
             <a:endParaRPr lang="en-US"/>
           </a:p>
@@ -2511,7 +2511,7 @@
           <a:p>
             <a:fld id="{13B4EEC1-59A0-6147-A616-EE74AE21FFF0}" type="datetimeFigureOut">
               <a:rPr lang="en-US" smtClean="0"/>
-              <a:t>9/19/17</a:t>
+              <a:t>10/16/17</a:t>
             </a:fld>
             <a:endParaRPr lang="en-US"/>
           </a:p>
@@ -3530,6 +3530,1310 @@
           </a:prstGeom>
         </p:spPr>
       </p:pic>
+      <p:sp>
+        <p:nvSpPr>
+          <p:cNvPr id="25" name="Rectangle 24"/>
+          <p:cNvSpPr/>
+          <p:nvPr/>
+        </p:nvSpPr>
+        <p:spPr>
+          <a:xfrm>
+            <a:off x="7409673" y="7647709"/>
+            <a:ext cx="293454" cy="2189018"/>
+          </a:xfrm>
+          <a:prstGeom prst="rect">
+            <a:avLst/>
+          </a:prstGeom>
+          <a:solidFill>
+            <a:schemeClr val="bg1"/>
+          </a:solidFill>
+          <a:ln>
+            <a:solidFill>
+              <a:schemeClr val="bg1"/>
+            </a:solidFill>
+          </a:ln>
+        </p:spPr>
+        <p:style>
+          <a:lnRef idx="2">
+            <a:schemeClr val="accent1">
+              <a:shade val="50000"/>
+            </a:schemeClr>
+          </a:lnRef>
+          <a:fillRef idx="1">
+            <a:schemeClr val="accent1"/>
+          </a:fillRef>
+          <a:effectRef idx="0">
+            <a:schemeClr val="accent1"/>
+          </a:effectRef>
+          <a:fontRef idx="minor">
+            <a:schemeClr val="lt1"/>
+          </a:fontRef>
+        </p:style>
+        <p:txBody>
+          <a:bodyPr rtlCol="0" anchor="ctr"/>
+          <a:lstStyle/>
+          <a:p>
+            <a:pPr algn="ctr"/>
+            <a:endParaRPr lang="en-US"/>
+          </a:p>
+        </p:txBody>
+      </p:sp>
+      <p:sp>
+        <p:nvSpPr>
+          <p:cNvPr id="26" name="Rectangle 25"/>
+          <p:cNvSpPr/>
+          <p:nvPr/>
+        </p:nvSpPr>
+        <p:spPr>
+          <a:xfrm>
+            <a:off x="14530741" y="7657243"/>
+            <a:ext cx="293454" cy="2189018"/>
+          </a:xfrm>
+          <a:prstGeom prst="rect">
+            <a:avLst/>
+          </a:prstGeom>
+          <a:solidFill>
+            <a:schemeClr val="bg1"/>
+          </a:solidFill>
+          <a:ln>
+            <a:solidFill>
+              <a:schemeClr val="bg1"/>
+            </a:solidFill>
+          </a:ln>
+        </p:spPr>
+        <p:style>
+          <a:lnRef idx="2">
+            <a:schemeClr val="accent1">
+              <a:shade val="50000"/>
+            </a:schemeClr>
+          </a:lnRef>
+          <a:fillRef idx="1">
+            <a:schemeClr val="accent1"/>
+          </a:fillRef>
+          <a:effectRef idx="0">
+            <a:schemeClr val="accent1"/>
+          </a:effectRef>
+          <a:fontRef idx="minor">
+            <a:schemeClr val="lt1"/>
+          </a:fontRef>
+        </p:style>
+        <p:txBody>
+          <a:bodyPr rtlCol="0" anchor="ctr"/>
+          <a:lstStyle/>
+          <a:p>
+            <a:pPr algn="ctr"/>
+            <a:endParaRPr lang="en-US" baseline="-25000" dirty="0"/>
+          </a:p>
+        </p:txBody>
+      </p:sp>
+      <p:sp>
+        <p:nvSpPr>
+          <p:cNvPr id="28" name="Rectangle 27"/>
+          <p:cNvSpPr/>
+          <p:nvPr/>
+        </p:nvSpPr>
+        <p:spPr>
+          <a:xfrm>
+            <a:off x="21587687" y="7527998"/>
+            <a:ext cx="293454" cy="2189018"/>
+          </a:xfrm>
+          <a:prstGeom prst="rect">
+            <a:avLst/>
+          </a:prstGeom>
+          <a:solidFill>
+            <a:schemeClr val="bg1"/>
+          </a:solidFill>
+          <a:ln>
+            <a:solidFill>
+              <a:schemeClr val="bg1"/>
+            </a:solidFill>
+          </a:ln>
+        </p:spPr>
+        <p:style>
+          <a:lnRef idx="2">
+            <a:schemeClr val="accent1">
+              <a:shade val="50000"/>
+            </a:schemeClr>
+          </a:lnRef>
+          <a:fillRef idx="1">
+            <a:schemeClr val="accent1"/>
+          </a:fillRef>
+          <a:effectRef idx="0">
+            <a:schemeClr val="accent1"/>
+          </a:effectRef>
+          <a:fontRef idx="minor">
+            <a:schemeClr val="lt1"/>
+          </a:fontRef>
+        </p:style>
+        <p:txBody>
+          <a:bodyPr rtlCol="0" anchor="ctr"/>
+          <a:lstStyle/>
+          <a:p>
+            <a:pPr algn="ctr"/>
+            <a:endParaRPr lang="en-US"/>
+          </a:p>
+        </p:txBody>
+      </p:sp>
+      <p:sp>
+        <p:nvSpPr>
+          <p:cNvPr id="31" name="Rectangle 30"/>
+          <p:cNvSpPr/>
+          <p:nvPr/>
+        </p:nvSpPr>
+        <p:spPr>
+          <a:xfrm>
+            <a:off x="21604862" y="1863602"/>
+            <a:ext cx="293454" cy="2189018"/>
+          </a:xfrm>
+          <a:prstGeom prst="rect">
+            <a:avLst/>
+          </a:prstGeom>
+          <a:solidFill>
+            <a:schemeClr val="bg1"/>
+          </a:solidFill>
+          <a:ln>
+            <a:solidFill>
+              <a:schemeClr val="bg1"/>
+            </a:solidFill>
+          </a:ln>
+        </p:spPr>
+        <p:style>
+          <a:lnRef idx="2">
+            <a:schemeClr val="accent1">
+              <a:shade val="50000"/>
+            </a:schemeClr>
+          </a:lnRef>
+          <a:fillRef idx="1">
+            <a:schemeClr val="accent1"/>
+          </a:fillRef>
+          <a:effectRef idx="0">
+            <a:schemeClr val="accent1"/>
+          </a:effectRef>
+          <a:fontRef idx="minor">
+            <a:schemeClr val="lt1"/>
+          </a:fontRef>
+        </p:style>
+        <p:txBody>
+          <a:bodyPr rtlCol="0" anchor="ctr"/>
+          <a:lstStyle/>
+          <a:p>
+            <a:pPr algn="ctr"/>
+            <a:endParaRPr lang="en-US"/>
+          </a:p>
+        </p:txBody>
+      </p:sp>
+      <p:sp>
+        <p:nvSpPr>
+          <p:cNvPr id="32" name="Rectangle 31"/>
+          <p:cNvSpPr/>
+          <p:nvPr/>
+        </p:nvSpPr>
+        <p:spPr>
+          <a:xfrm>
+            <a:off x="21587688" y="13329657"/>
+            <a:ext cx="293454" cy="2189018"/>
+          </a:xfrm>
+          <a:prstGeom prst="rect">
+            <a:avLst/>
+          </a:prstGeom>
+          <a:solidFill>
+            <a:schemeClr val="bg1"/>
+          </a:solidFill>
+          <a:ln>
+            <a:solidFill>
+              <a:schemeClr val="bg1"/>
+            </a:solidFill>
+          </a:ln>
+        </p:spPr>
+        <p:style>
+          <a:lnRef idx="2">
+            <a:schemeClr val="accent1">
+              <a:shade val="50000"/>
+            </a:schemeClr>
+          </a:lnRef>
+          <a:fillRef idx="1">
+            <a:schemeClr val="accent1"/>
+          </a:fillRef>
+          <a:effectRef idx="0">
+            <a:schemeClr val="accent1"/>
+          </a:effectRef>
+          <a:fontRef idx="minor">
+            <a:schemeClr val="lt1"/>
+          </a:fontRef>
+        </p:style>
+        <p:txBody>
+          <a:bodyPr rtlCol="0" anchor="ctr"/>
+          <a:lstStyle/>
+          <a:p>
+            <a:pPr algn="ctr"/>
+            <a:endParaRPr lang="en-US"/>
+          </a:p>
+        </p:txBody>
+      </p:sp>
+      <p:sp>
+        <p:nvSpPr>
+          <p:cNvPr id="33" name="Rectangle 32"/>
+          <p:cNvSpPr/>
+          <p:nvPr/>
+        </p:nvSpPr>
+        <p:spPr>
+          <a:xfrm>
+            <a:off x="14468987" y="13260383"/>
+            <a:ext cx="293454" cy="2189018"/>
+          </a:xfrm>
+          <a:prstGeom prst="rect">
+            <a:avLst/>
+          </a:prstGeom>
+          <a:solidFill>
+            <a:schemeClr val="bg1"/>
+          </a:solidFill>
+          <a:ln>
+            <a:solidFill>
+              <a:schemeClr val="bg1"/>
+            </a:solidFill>
+          </a:ln>
+        </p:spPr>
+        <p:style>
+          <a:lnRef idx="2">
+            <a:schemeClr val="accent1">
+              <a:shade val="50000"/>
+            </a:schemeClr>
+          </a:lnRef>
+          <a:fillRef idx="1">
+            <a:schemeClr val="accent1"/>
+          </a:fillRef>
+          <a:effectRef idx="0">
+            <a:schemeClr val="accent1"/>
+          </a:effectRef>
+          <a:fontRef idx="minor">
+            <a:schemeClr val="lt1"/>
+          </a:fontRef>
+        </p:style>
+        <p:txBody>
+          <a:bodyPr rtlCol="0" anchor="ctr"/>
+          <a:lstStyle/>
+          <a:p>
+            <a:pPr algn="ctr"/>
+            <a:endParaRPr lang="en-US"/>
+          </a:p>
+        </p:txBody>
+      </p:sp>
+      <p:sp>
+        <p:nvSpPr>
+          <p:cNvPr id="34" name="Rectangle 33"/>
+          <p:cNvSpPr/>
+          <p:nvPr/>
+        </p:nvSpPr>
+        <p:spPr>
+          <a:xfrm>
+            <a:off x="7415346" y="13064440"/>
+            <a:ext cx="293454" cy="2189018"/>
+          </a:xfrm>
+          <a:prstGeom prst="rect">
+            <a:avLst/>
+          </a:prstGeom>
+          <a:solidFill>
+            <a:schemeClr val="bg1"/>
+          </a:solidFill>
+          <a:ln>
+            <a:solidFill>
+              <a:schemeClr val="bg1"/>
+            </a:solidFill>
+          </a:ln>
+        </p:spPr>
+        <p:style>
+          <a:lnRef idx="2">
+            <a:schemeClr val="accent1">
+              <a:shade val="50000"/>
+            </a:schemeClr>
+          </a:lnRef>
+          <a:fillRef idx="1">
+            <a:schemeClr val="accent1"/>
+          </a:fillRef>
+          <a:effectRef idx="0">
+            <a:schemeClr val="accent1"/>
+          </a:effectRef>
+          <a:fontRef idx="minor">
+            <a:schemeClr val="lt1"/>
+          </a:fontRef>
+        </p:style>
+        <p:txBody>
+          <a:bodyPr rtlCol="0" anchor="ctr"/>
+          <a:lstStyle/>
+          <a:p>
+            <a:pPr algn="ctr"/>
+            <a:endParaRPr lang="en-US"/>
+          </a:p>
+        </p:txBody>
+      </p:sp>
+      <p:sp>
+        <p:nvSpPr>
+          <p:cNvPr id="35" name="Rectangle 34"/>
+          <p:cNvSpPr/>
+          <p:nvPr/>
+        </p:nvSpPr>
+        <p:spPr>
+          <a:xfrm>
+            <a:off x="325451" y="13260383"/>
+            <a:ext cx="293454" cy="2189018"/>
+          </a:xfrm>
+          <a:prstGeom prst="rect">
+            <a:avLst/>
+          </a:prstGeom>
+          <a:solidFill>
+            <a:schemeClr val="bg1"/>
+          </a:solidFill>
+          <a:ln>
+            <a:solidFill>
+              <a:schemeClr val="bg1"/>
+            </a:solidFill>
+          </a:ln>
+        </p:spPr>
+        <p:style>
+          <a:lnRef idx="2">
+            <a:schemeClr val="accent1">
+              <a:shade val="50000"/>
+            </a:schemeClr>
+          </a:lnRef>
+          <a:fillRef idx="1">
+            <a:schemeClr val="accent1"/>
+          </a:fillRef>
+          <a:effectRef idx="0">
+            <a:schemeClr val="accent1"/>
+          </a:effectRef>
+          <a:fontRef idx="minor">
+            <a:schemeClr val="lt1"/>
+          </a:fontRef>
+        </p:style>
+        <p:txBody>
+          <a:bodyPr rtlCol="0" anchor="ctr"/>
+          <a:lstStyle/>
+          <a:p>
+            <a:pPr algn="ctr"/>
+            <a:endParaRPr lang="en-US"/>
+          </a:p>
+        </p:txBody>
+      </p:sp>
+      <p:sp>
+        <p:nvSpPr>
+          <p:cNvPr id="36" name="Rectangle 35"/>
+          <p:cNvSpPr/>
+          <p:nvPr/>
+        </p:nvSpPr>
+        <p:spPr>
+          <a:xfrm rot="16200000">
+            <a:off x="-3076816" y="11085577"/>
+            <a:ext cx="6899343" cy="501505"/>
+          </a:xfrm>
+          <a:prstGeom prst="rect">
+            <a:avLst/>
+          </a:prstGeom>
+          <a:solidFill>
+            <a:schemeClr val="bg1"/>
+          </a:solidFill>
+          <a:ln>
+            <a:solidFill>
+              <a:schemeClr val="bg1"/>
+            </a:solidFill>
+          </a:ln>
+        </p:spPr>
+        <p:style>
+          <a:lnRef idx="2">
+            <a:schemeClr val="accent1">
+              <a:shade val="50000"/>
+            </a:schemeClr>
+          </a:lnRef>
+          <a:fillRef idx="1">
+            <a:schemeClr val="accent1"/>
+          </a:fillRef>
+          <a:effectRef idx="0">
+            <a:schemeClr val="accent1"/>
+          </a:effectRef>
+          <a:fontRef idx="minor">
+            <a:schemeClr val="lt1"/>
+          </a:fontRef>
+        </p:style>
+        <p:txBody>
+          <a:bodyPr rtlCol="0" anchor="ctr"/>
+          <a:lstStyle/>
+          <a:p>
+            <a:pPr algn="ctr"/>
+            <a:r>
+              <a:rPr lang="en-US" sz="2800" b="1" dirty="0" smtClean="0">
+                <a:solidFill>
+                  <a:sysClr val="windowText" lastClr="000000"/>
+                </a:solidFill>
+              </a:rPr>
+              <a:t>Current (</a:t>
+            </a:r>
+            <a:r>
+              <a:rPr lang="en-US" sz="2800" b="1" dirty="0" err="1" smtClean="0">
+                <a:solidFill>
+                  <a:sysClr val="windowText" lastClr="000000"/>
+                </a:solidFill>
+              </a:rPr>
+              <a:t>pA</a:t>
+            </a:r>
+            <a:r>
+              <a:rPr lang="en-US" sz="2800" b="1" dirty="0" smtClean="0">
+                <a:solidFill>
+                  <a:sysClr val="windowText" lastClr="000000"/>
+                </a:solidFill>
+              </a:rPr>
+              <a:t>)</a:t>
+            </a:r>
+            <a:endParaRPr lang="en-US" sz="2800" b="1" dirty="0">
+              <a:solidFill>
+                <a:sysClr val="windowText" lastClr="000000"/>
+              </a:solidFill>
+            </a:endParaRPr>
+          </a:p>
+        </p:txBody>
+      </p:sp>
+      <p:sp>
+        <p:nvSpPr>
+          <p:cNvPr id="37" name="Rectangle 36"/>
+          <p:cNvSpPr/>
+          <p:nvPr/>
+        </p:nvSpPr>
+        <p:spPr>
+          <a:xfrm>
+            <a:off x="24903186" y="5367148"/>
+            <a:ext cx="974333" cy="238401"/>
+          </a:xfrm>
+          <a:prstGeom prst="rect">
+            <a:avLst/>
+          </a:prstGeom>
+          <a:solidFill>
+            <a:schemeClr val="bg1"/>
+          </a:solidFill>
+          <a:ln>
+            <a:solidFill>
+              <a:schemeClr val="bg1"/>
+            </a:solidFill>
+          </a:ln>
+        </p:spPr>
+        <p:style>
+          <a:lnRef idx="2">
+            <a:schemeClr val="accent1">
+              <a:shade val="50000"/>
+            </a:schemeClr>
+          </a:lnRef>
+          <a:fillRef idx="1">
+            <a:schemeClr val="accent1"/>
+          </a:fillRef>
+          <a:effectRef idx="0">
+            <a:schemeClr val="accent1"/>
+          </a:effectRef>
+          <a:fontRef idx="minor">
+            <a:schemeClr val="lt1"/>
+          </a:fontRef>
+        </p:style>
+        <p:txBody>
+          <a:bodyPr rtlCol="0" anchor="ctr"/>
+          <a:lstStyle/>
+          <a:p>
+            <a:pPr algn="ctr"/>
+            <a:endParaRPr lang="en-US"/>
+          </a:p>
+        </p:txBody>
+      </p:sp>
+      <p:sp>
+        <p:nvSpPr>
+          <p:cNvPr id="38" name="Rectangle 37"/>
+          <p:cNvSpPr/>
+          <p:nvPr/>
+        </p:nvSpPr>
+        <p:spPr>
+          <a:xfrm>
+            <a:off x="24891923" y="11037068"/>
+            <a:ext cx="974333" cy="238401"/>
+          </a:xfrm>
+          <a:prstGeom prst="rect">
+            <a:avLst/>
+          </a:prstGeom>
+          <a:solidFill>
+            <a:schemeClr val="bg1"/>
+          </a:solidFill>
+          <a:ln>
+            <a:solidFill>
+              <a:schemeClr val="bg1"/>
+            </a:solidFill>
+          </a:ln>
+        </p:spPr>
+        <p:style>
+          <a:lnRef idx="2">
+            <a:schemeClr val="accent1">
+              <a:shade val="50000"/>
+            </a:schemeClr>
+          </a:lnRef>
+          <a:fillRef idx="1">
+            <a:schemeClr val="accent1"/>
+          </a:fillRef>
+          <a:effectRef idx="0">
+            <a:schemeClr val="accent1"/>
+          </a:effectRef>
+          <a:fontRef idx="minor">
+            <a:schemeClr val="lt1"/>
+          </a:fontRef>
+        </p:style>
+        <p:txBody>
+          <a:bodyPr rtlCol="0" anchor="ctr"/>
+          <a:lstStyle/>
+          <a:p>
+            <a:pPr algn="ctr"/>
+            <a:endParaRPr lang="en-US"/>
+          </a:p>
+        </p:txBody>
+      </p:sp>
+      <p:sp>
+        <p:nvSpPr>
+          <p:cNvPr id="39" name="Rectangle 38"/>
+          <p:cNvSpPr/>
+          <p:nvPr/>
+        </p:nvSpPr>
+        <p:spPr>
+          <a:xfrm>
+            <a:off x="17813637" y="11050874"/>
+            <a:ext cx="974333" cy="238401"/>
+          </a:xfrm>
+          <a:prstGeom prst="rect">
+            <a:avLst/>
+          </a:prstGeom>
+          <a:solidFill>
+            <a:schemeClr val="bg1"/>
+          </a:solidFill>
+          <a:ln>
+            <a:solidFill>
+              <a:schemeClr val="bg1"/>
+            </a:solidFill>
+          </a:ln>
+        </p:spPr>
+        <p:style>
+          <a:lnRef idx="2">
+            <a:schemeClr val="accent1">
+              <a:shade val="50000"/>
+            </a:schemeClr>
+          </a:lnRef>
+          <a:fillRef idx="1">
+            <a:schemeClr val="accent1"/>
+          </a:fillRef>
+          <a:effectRef idx="0">
+            <a:schemeClr val="accent1"/>
+          </a:effectRef>
+          <a:fontRef idx="minor">
+            <a:schemeClr val="lt1"/>
+          </a:fontRef>
+        </p:style>
+        <p:txBody>
+          <a:bodyPr rtlCol="0" anchor="ctr"/>
+          <a:lstStyle/>
+          <a:p>
+            <a:pPr algn="ctr"/>
+            <a:endParaRPr lang="en-US"/>
+          </a:p>
+        </p:txBody>
+      </p:sp>
+      <p:sp>
+        <p:nvSpPr>
+          <p:cNvPr id="40" name="Rectangle 39"/>
+          <p:cNvSpPr/>
+          <p:nvPr/>
+        </p:nvSpPr>
+        <p:spPr>
+          <a:xfrm>
+            <a:off x="10711362" y="11037017"/>
+            <a:ext cx="974333" cy="238401"/>
+          </a:xfrm>
+          <a:prstGeom prst="rect">
+            <a:avLst/>
+          </a:prstGeom>
+          <a:solidFill>
+            <a:schemeClr val="bg1"/>
+          </a:solidFill>
+          <a:ln>
+            <a:solidFill>
+              <a:schemeClr val="bg1"/>
+            </a:solidFill>
+          </a:ln>
+        </p:spPr>
+        <p:style>
+          <a:lnRef idx="2">
+            <a:schemeClr val="accent1">
+              <a:shade val="50000"/>
+            </a:schemeClr>
+          </a:lnRef>
+          <a:fillRef idx="1">
+            <a:schemeClr val="accent1"/>
+          </a:fillRef>
+          <a:effectRef idx="0">
+            <a:schemeClr val="accent1"/>
+          </a:effectRef>
+          <a:fontRef idx="minor">
+            <a:schemeClr val="lt1"/>
+          </a:fontRef>
+        </p:style>
+        <p:txBody>
+          <a:bodyPr rtlCol="0" anchor="ctr"/>
+          <a:lstStyle/>
+          <a:p>
+            <a:pPr algn="ctr"/>
+            <a:endParaRPr lang="en-US"/>
+          </a:p>
+        </p:txBody>
+      </p:sp>
+      <p:sp>
+        <p:nvSpPr>
+          <p:cNvPr id="41" name="Rectangle 40"/>
+          <p:cNvSpPr/>
+          <p:nvPr/>
+        </p:nvSpPr>
+        <p:spPr>
+          <a:xfrm>
+            <a:off x="24864214" y="16752025"/>
+            <a:ext cx="974333" cy="238401"/>
+          </a:xfrm>
+          <a:prstGeom prst="rect">
+            <a:avLst/>
+          </a:prstGeom>
+          <a:solidFill>
+            <a:schemeClr val="bg1"/>
+          </a:solidFill>
+          <a:ln>
+            <a:solidFill>
+              <a:schemeClr val="bg1"/>
+            </a:solidFill>
+          </a:ln>
+        </p:spPr>
+        <p:style>
+          <a:lnRef idx="2">
+            <a:schemeClr val="accent1">
+              <a:shade val="50000"/>
+            </a:schemeClr>
+          </a:lnRef>
+          <a:fillRef idx="1">
+            <a:schemeClr val="accent1"/>
+          </a:fillRef>
+          <a:effectRef idx="0">
+            <a:schemeClr val="accent1"/>
+          </a:effectRef>
+          <a:fontRef idx="minor">
+            <a:schemeClr val="lt1"/>
+          </a:fontRef>
+        </p:style>
+        <p:txBody>
+          <a:bodyPr rtlCol="0" anchor="ctr"/>
+          <a:lstStyle/>
+          <a:p>
+            <a:pPr algn="ctr"/>
+            <a:endParaRPr lang="en-US"/>
+          </a:p>
+        </p:txBody>
+      </p:sp>
+      <p:sp>
+        <p:nvSpPr>
+          <p:cNvPr id="42" name="Rectangle 41"/>
+          <p:cNvSpPr/>
+          <p:nvPr/>
+        </p:nvSpPr>
+        <p:spPr>
+          <a:xfrm>
+            <a:off x="24865135" y="22348153"/>
+            <a:ext cx="974333" cy="238401"/>
+          </a:xfrm>
+          <a:prstGeom prst="rect">
+            <a:avLst/>
+          </a:prstGeom>
+          <a:solidFill>
+            <a:schemeClr val="bg1"/>
+          </a:solidFill>
+          <a:ln>
+            <a:solidFill>
+              <a:schemeClr val="bg1"/>
+            </a:solidFill>
+          </a:ln>
+        </p:spPr>
+        <p:style>
+          <a:lnRef idx="2">
+            <a:schemeClr val="accent1">
+              <a:shade val="50000"/>
+            </a:schemeClr>
+          </a:lnRef>
+          <a:fillRef idx="1">
+            <a:schemeClr val="accent1"/>
+          </a:fillRef>
+          <a:effectRef idx="0">
+            <a:schemeClr val="accent1"/>
+          </a:effectRef>
+          <a:fontRef idx="minor">
+            <a:schemeClr val="lt1"/>
+          </a:fontRef>
+        </p:style>
+        <p:txBody>
+          <a:bodyPr rtlCol="0" anchor="ctr"/>
+          <a:lstStyle/>
+          <a:p>
+            <a:pPr algn="ctr"/>
+            <a:endParaRPr lang="en-US"/>
+          </a:p>
+        </p:txBody>
+      </p:sp>
+      <p:sp>
+        <p:nvSpPr>
+          <p:cNvPr id="43" name="Rectangle 42"/>
+          <p:cNvSpPr/>
+          <p:nvPr/>
+        </p:nvSpPr>
+        <p:spPr>
+          <a:xfrm>
+            <a:off x="17772073" y="16752025"/>
+            <a:ext cx="974333" cy="238401"/>
+          </a:xfrm>
+          <a:prstGeom prst="rect">
+            <a:avLst/>
+          </a:prstGeom>
+          <a:solidFill>
+            <a:schemeClr val="bg1"/>
+          </a:solidFill>
+          <a:ln>
+            <a:solidFill>
+              <a:schemeClr val="bg1"/>
+            </a:solidFill>
+          </a:ln>
+        </p:spPr>
+        <p:style>
+          <a:lnRef idx="2">
+            <a:schemeClr val="accent1">
+              <a:shade val="50000"/>
+            </a:schemeClr>
+          </a:lnRef>
+          <a:fillRef idx="1">
+            <a:schemeClr val="accent1"/>
+          </a:fillRef>
+          <a:effectRef idx="0">
+            <a:schemeClr val="accent1"/>
+          </a:effectRef>
+          <a:fontRef idx="minor">
+            <a:schemeClr val="lt1"/>
+          </a:fontRef>
+        </p:style>
+        <p:txBody>
+          <a:bodyPr rtlCol="0" anchor="ctr"/>
+          <a:lstStyle/>
+          <a:p>
+            <a:pPr algn="ctr"/>
+            <a:endParaRPr lang="en-US"/>
+          </a:p>
+        </p:txBody>
+      </p:sp>
+      <p:sp>
+        <p:nvSpPr>
+          <p:cNvPr id="44" name="Rectangle 43"/>
+          <p:cNvSpPr/>
+          <p:nvPr/>
+        </p:nvSpPr>
+        <p:spPr>
+          <a:xfrm>
+            <a:off x="10743790" y="16763007"/>
+            <a:ext cx="974333" cy="238401"/>
+          </a:xfrm>
+          <a:prstGeom prst="rect">
+            <a:avLst/>
+          </a:prstGeom>
+          <a:solidFill>
+            <a:schemeClr val="bg1"/>
+          </a:solidFill>
+          <a:ln>
+            <a:solidFill>
+              <a:schemeClr val="bg1"/>
+            </a:solidFill>
+          </a:ln>
+        </p:spPr>
+        <p:style>
+          <a:lnRef idx="2">
+            <a:schemeClr val="accent1">
+              <a:shade val="50000"/>
+            </a:schemeClr>
+          </a:lnRef>
+          <a:fillRef idx="1">
+            <a:schemeClr val="accent1"/>
+          </a:fillRef>
+          <a:effectRef idx="0">
+            <a:schemeClr val="accent1"/>
+          </a:effectRef>
+          <a:fontRef idx="minor">
+            <a:schemeClr val="lt1"/>
+          </a:fontRef>
+        </p:style>
+        <p:txBody>
+          <a:bodyPr rtlCol="0" anchor="ctr"/>
+          <a:lstStyle/>
+          <a:p>
+            <a:pPr algn="ctr"/>
+            <a:endParaRPr lang="en-US"/>
+          </a:p>
+        </p:txBody>
+      </p:sp>
+      <p:sp>
+        <p:nvSpPr>
+          <p:cNvPr id="45" name="Rectangle 44"/>
+          <p:cNvSpPr/>
+          <p:nvPr/>
+        </p:nvSpPr>
+        <p:spPr>
+          <a:xfrm>
+            <a:off x="17785929" y="22354936"/>
+            <a:ext cx="974333" cy="238401"/>
+          </a:xfrm>
+          <a:prstGeom prst="rect">
+            <a:avLst/>
+          </a:prstGeom>
+          <a:solidFill>
+            <a:schemeClr val="bg1"/>
+          </a:solidFill>
+          <a:ln>
+            <a:solidFill>
+              <a:schemeClr val="bg1"/>
+            </a:solidFill>
+          </a:ln>
+        </p:spPr>
+        <p:style>
+          <a:lnRef idx="2">
+            <a:schemeClr val="accent1">
+              <a:shade val="50000"/>
+            </a:schemeClr>
+          </a:lnRef>
+          <a:fillRef idx="1">
+            <a:schemeClr val="accent1"/>
+          </a:fillRef>
+          <a:effectRef idx="0">
+            <a:schemeClr val="accent1"/>
+          </a:effectRef>
+          <a:fontRef idx="minor">
+            <a:schemeClr val="lt1"/>
+          </a:fontRef>
+        </p:style>
+        <p:txBody>
+          <a:bodyPr rtlCol="0" anchor="ctr"/>
+          <a:lstStyle/>
+          <a:p>
+            <a:pPr algn="ctr"/>
+            <a:endParaRPr lang="en-US"/>
+          </a:p>
+        </p:txBody>
+      </p:sp>
+      <p:sp>
+        <p:nvSpPr>
+          <p:cNvPr id="46" name="Rectangle 45"/>
+          <p:cNvSpPr/>
+          <p:nvPr/>
+        </p:nvSpPr>
+        <p:spPr>
+          <a:xfrm>
+            <a:off x="10753205" y="22323900"/>
+            <a:ext cx="974333" cy="238401"/>
+          </a:xfrm>
+          <a:prstGeom prst="rect">
+            <a:avLst/>
+          </a:prstGeom>
+          <a:solidFill>
+            <a:schemeClr val="bg1"/>
+          </a:solidFill>
+          <a:ln>
+            <a:solidFill>
+              <a:schemeClr val="bg1"/>
+            </a:solidFill>
+          </a:ln>
+        </p:spPr>
+        <p:style>
+          <a:lnRef idx="2">
+            <a:schemeClr val="accent1">
+              <a:shade val="50000"/>
+            </a:schemeClr>
+          </a:lnRef>
+          <a:fillRef idx="1">
+            <a:schemeClr val="accent1"/>
+          </a:fillRef>
+          <a:effectRef idx="0">
+            <a:schemeClr val="accent1"/>
+          </a:effectRef>
+          <a:fontRef idx="minor">
+            <a:schemeClr val="lt1"/>
+          </a:fontRef>
+        </p:style>
+        <p:txBody>
+          <a:bodyPr rtlCol="0" anchor="ctr"/>
+          <a:lstStyle/>
+          <a:p>
+            <a:pPr algn="ctr"/>
+            <a:endParaRPr lang="en-US"/>
+          </a:p>
+        </p:txBody>
+      </p:sp>
+      <p:sp>
+        <p:nvSpPr>
+          <p:cNvPr id="47" name="Rectangle 46"/>
+          <p:cNvSpPr/>
+          <p:nvPr/>
+        </p:nvSpPr>
+        <p:spPr>
+          <a:xfrm>
+            <a:off x="3570895" y="16755488"/>
+            <a:ext cx="974333" cy="238401"/>
+          </a:xfrm>
+          <a:prstGeom prst="rect">
+            <a:avLst/>
+          </a:prstGeom>
+          <a:solidFill>
+            <a:schemeClr val="bg1"/>
+          </a:solidFill>
+          <a:ln>
+            <a:solidFill>
+              <a:schemeClr val="bg1"/>
+            </a:solidFill>
+          </a:ln>
+        </p:spPr>
+        <p:style>
+          <a:lnRef idx="2">
+            <a:schemeClr val="accent1">
+              <a:shade val="50000"/>
+            </a:schemeClr>
+          </a:lnRef>
+          <a:fillRef idx="1">
+            <a:schemeClr val="accent1"/>
+          </a:fillRef>
+          <a:effectRef idx="0">
+            <a:schemeClr val="accent1"/>
+          </a:effectRef>
+          <a:fontRef idx="minor">
+            <a:schemeClr val="lt1"/>
+          </a:fontRef>
+        </p:style>
+        <p:txBody>
+          <a:bodyPr rtlCol="0" anchor="ctr"/>
+          <a:lstStyle/>
+          <a:p>
+            <a:pPr algn="ctr"/>
+            <a:endParaRPr lang="en-US"/>
+          </a:p>
+        </p:txBody>
+      </p:sp>
+      <p:sp>
+        <p:nvSpPr>
+          <p:cNvPr id="48" name="Rectangle 47"/>
+          <p:cNvSpPr/>
+          <p:nvPr/>
+        </p:nvSpPr>
+        <p:spPr>
+          <a:xfrm>
+            <a:off x="3570894" y="22323900"/>
+            <a:ext cx="974333" cy="238401"/>
+          </a:xfrm>
+          <a:prstGeom prst="rect">
+            <a:avLst/>
+          </a:prstGeom>
+          <a:solidFill>
+            <a:schemeClr val="bg1"/>
+          </a:solidFill>
+          <a:ln>
+            <a:solidFill>
+              <a:schemeClr val="bg1"/>
+            </a:solidFill>
+          </a:ln>
+        </p:spPr>
+        <p:style>
+          <a:lnRef idx="2">
+            <a:schemeClr val="accent1">
+              <a:shade val="50000"/>
+            </a:schemeClr>
+          </a:lnRef>
+          <a:fillRef idx="1">
+            <a:schemeClr val="accent1"/>
+          </a:fillRef>
+          <a:effectRef idx="0">
+            <a:schemeClr val="accent1"/>
+          </a:effectRef>
+          <a:fontRef idx="minor">
+            <a:schemeClr val="lt1"/>
+          </a:fontRef>
+        </p:style>
+        <p:txBody>
+          <a:bodyPr rtlCol="0" anchor="ctr"/>
+          <a:lstStyle/>
+          <a:p>
+            <a:pPr algn="ctr"/>
+            <a:endParaRPr lang="en-US"/>
+          </a:p>
+        </p:txBody>
+      </p:sp>
+      <p:sp>
+        <p:nvSpPr>
+          <p:cNvPr id="49" name="Rectangle 48"/>
+          <p:cNvSpPr/>
+          <p:nvPr/>
+        </p:nvSpPr>
+        <p:spPr>
+          <a:xfrm>
+            <a:off x="12278625" y="22362000"/>
+            <a:ext cx="4603718" cy="563088"/>
+          </a:xfrm>
+          <a:prstGeom prst="rect">
+            <a:avLst/>
+          </a:prstGeom>
+          <a:solidFill>
+            <a:schemeClr val="bg1"/>
+          </a:solidFill>
+          <a:ln>
+            <a:solidFill>
+              <a:schemeClr val="bg1"/>
+            </a:solidFill>
+          </a:ln>
+        </p:spPr>
+        <p:style>
+          <a:lnRef idx="2">
+            <a:schemeClr val="accent1">
+              <a:shade val="50000"/>
+            </a:schemeClr>
+          </a:lnRef>
+          <a:fillRef idx="1">
+            <a:schemeClr val="accent1"/>
+          </a:fillRef>
+          <a:effectRef idx="0">
+            <a:schemeClr val="accent1"/>
+          </a:effectRef>
+          <a:fontRef idx="minor">
+            <a:schemeClr val="lt1"/>
+          </a:fontRef>
+        </p:style>
+        <p:txBody>
+          <a:bodyPr rtlCol="0" anchor="ctr"/>
+          <a:lstStyle/>
+          <a:p>
+            <a:pPr algn="ctr"/>
+            <a:r>
+              <a:rPr lang="en-US" sz="2800" b="1" dirty="0" smtClean="0">
+                <a:solidFill>
+                  <a:sysClr val="windowText" lastClr="000000"/>
+                </a:solidFill>
+              </a:rPr>
+              <a:t>Time (</a:t>
+            </a:r>
+            <a:r>
+              <a:rPr lang="en-US" sz="2800" b="1" dirty="0" err="1" smtClean="0">
+                <a:solidFill>
+                  <a:sysClr val="windowText" lastClr="000000"/>
+                </a:solidFill>
+              </a:rPr>
+              <a:t>ms</a:t>
+            </a:r>
+            <a:r>
+              <a:rPr lang="en-US" sz="2800" b="1" dirty="0" smtClean="0">
+                <a:solidFill>
+                  <a:sysClr val="windowText" lastClr="000000"/>
+                </a:solidFill>
+              </a:rPr>
+              <a:t>)</a:t>
+            </a:r>
+            <a:endParaRPr lang="en-US" sz="2800" b="1" dirty="0">
+              <a:solidFill>
+                <a:sysClr val="windowText" lastClr="000000"/>
+              </a:solidFill>
+            </a:endParaRPr>
+          </a:p>
+        </p:txBody>
+      </p:sp>
+      <p:sp>
+        <p:nvSpPr>
+          <p:cNvPr id="50" name="Rectangle 49"/>
+          <p:cNvSpPr/>
+          <p:nvPr/>
+        </p:nvSpPr>
+        <p:spPr>
+          <a:xfrm>
+            <a:off x="21573201" y="18652440"/>
+            <a:ext cx="293454" cy="2189018"/>
+          </a:xfrm>
+          <a:prstGeom prst="rect">
+            <a:avLst/>
+          </a:prstGeom>
+          <a:solidFill>
+            <a:schemeClr val="bg1"/>
+          </a:solidFill>
+          <a:ln>
+            <a:solidFill>
+              <a:schemeClr val="bg1"/>
+            </a:solidFill>
+          </a:ln>
+        </p:spPr>
+        <p:style>
+          <a:lnRef idx="2">
+            <a:schemeClr val="accent1">
+              <a:shade val="50000"/>
+            </a:schemeClr>
+          </a:lnRef>
+          <a:fillRef idx="1">
+            <a:schemeClr val="accent1"/>
+          </a:fillRef>
+          <a:effectRef idx="0">
+            <a:schemeClr val="accent1"/>
+          </a:effectRef>
+          <a:fontRef idx="minor">
+            <a:schemeClr val="lt1"/>
+          </a:fontRef>
+        </p:style>
+        <p:txBody>
+          <a:bodyPr rtlCol="0" anchor="ctr"/>
+          <a:lstStyle/>
+          <a:p>
+            <a:pPr algn="ctr"/>
+            <a:endParaRPr lang="en-US"/>
+          </a:p>
+        </p:txBody>
+      </p:sp>
+      <p:sp>
+        <p:nvSpPr>
+          <p:cNvPr id="51" name="Rectangle 50"/>
+          <p:cNvSpPr/>
+          <p:nvPr/>
+        </p:nvSpPr>
+        <p:spPr>
+          <a:xfrm>
+            <a:off x="14457193" y="18652440"/>
+            <a:ext cx="293454" cy="2189018"/>
+          </a:xfrm>
+          <a:prstGeom prst="rect">
+            <a:avLst/>
+          </a:prstGeom>
+          <a:solidFill>
+            <a:schemeClr val="bg1"/>
+          </a:solidFill>
+          <a:ln>
+            <a:solidFill>
+              <a:schemeClr val="bg1"/>
+            </a:solidFill>
+          </a:ln>
+        </p:spPr>
+        <p:style>
+          <a:lnRef idx="2">
+            <a:schemeClr val="accent1">
+              <a:shade val="50000"/>
+            </a:schemeClr>
+          </a:lnRef>
+          <a:fillRef idx="1">
+            <a:schemeClr val="accent1"/>
+          </a:fillRef>
+          <a:effectRef idx="0">
+            <a:schemeClr val="accent1"/>
+          </a:effectRef>
+          <a:fontRef idx="minor">
+            <a:schemeClr val="lt1"/>
+          </a:fontRef>
+        </p:style>
+        <p:txBody>
+          <a:bodyPr rtlCol="0" anchor="ctr"/>
+          <a:lstStyle/>
+          <a:p>
+            <a:pPr algn="ctr"/>
+            <a:endParaRPr lang="en-US"/>
+          </a:p>
+        </p:txBody>
+      </p:sp>
+      <p:sp>
+        <p:nvSpPr>
+          <p:cNvPr id="52" name="Rectangle 51"/>
+          <p:cNvSpPr/>
+          <p:nvPr/>
+        </p:nvSpPr>
+        <p:spPr>
+          <a:xfrm>
+            <a:off x="7407687" y="18652440"/>
+            <a:ext cx="293454" cy="2189018"/>
+          </a:xfrm>
+          <a:prstGeom prst="rect">
+            <a:avLst/>
+          </a:prstGeom>
+          <a:solidFill>
+            <a:schemeClr val="bg1"/>
+          </a:solidFill>
+          <a:ln>
+            <a:solidFill>
+              <a:schemeClr val="bg1"/>
+            </a:solidFill>
+          </a:ln>
+        </p:spPr>
+        <p:style>
+          <a:lnRef idx="2">
+            <a:schemeClr val="accent1">
+              <a:shade val="50000"/>
+            </a:schemeClr>
+          </a:lnRef>
+          <a:fillRef idx="1">
+            <a:schemeClr val="accent1"/>
+          </a:fillRef>
+          <a:effectRef idx="0">
+            <a:schemeClr val="accent1"/>
+          </a:effectRef>
+          <a:fontRef idx="minor">
+            <a:schemeClr val="lt1"/>
+          </a:fontRef>
+        </p:style>
+        <p:txBody>
+          <a:bodyPr rtlCol="0" anchor="ctr"/>
+          <a:lstStyle/>
+          <a:p>
+            <a:pPr algn="ctr"/>
+            <a:endParaRPr lang="en-US"/>
+          </a:p>
+        </p:txBody>
+      </p:sp>
+      <p:sp>
+        <p:nvSpPr>
+          <p:cNvPr id="53" name="Rectangle 52"/>
+          <p:cNvSpPr/>
+          <p:nvPr/>
+        </p:nvSpPr>
+        <p:spPr>
+          <a:xfrm>
+            <a:off x="335095" y="18652440"/>
+            <a:ext cx="293454" cy="2189018"/>
+          </a:xfrm>
+          <a:prstGeom prst="rect">
+            <a:avLst/>
+          </a:prstGeom>
+          <a:solidFill>
+            <a:schemeClr val="bg1"/>
+          </a:solidFill>
+          <a:ln>
+            <a:solidFill>
+              <a:schemeClr val="bg1"/>
+            </a:solidFill>
+          </a:ln>
+        </p:spPr>
+        <p:style>
+          <a:lnRef idx="2">
+            <a:schemeClr val="accent1">
+              <a:shade val="50000"/>
+            </a:schemeClr>
+          </a:lnRef>
+          <a:fillRef idx="1">
+            <a:schemeClr val="accent1"/>
+          </a:fillRef>
+          <a:effectRef idx="0">
+            <a:schemeClr val="accent1"/>
+          </a:effectRef>
+          <a:fontRef idx="minor">
+            <a:schemeClr val="lt1"/>
+          </a:fontRef>
+        </p:style>
+        <p:txBody>
+          <a:bodyPr rtlCol="0" anchor="ctr"/>
+          <a:lstStyle/>
+          <a:p>
+            <a:pPr algn="ctr"/>
+            <a:endParaRPr lang="en-US"/>
+          </a:p>
+        </p:txBody>
+      </p:sp>
     </p:spTree>
     <p:extLst>
       <p:ext uri="{BB962C8B-B14F-4D97-AF65-F5344CB8AC3E}">

--- a/HighCondRepresentativeModelTests/HighCondModels_PSCCurrents/Plots/SDprox2RepresentativeCurrents2.pptx
+++ b/HighCondRepresentativeModelTests/HighCondModels_PSCCurrents/Plots/SDprox2RepresentativeCurrents2.pptx
@@ -106,7 +106,7 @@
   </p:defaultTextStyle>
   <p:extLst>
     <p:ext uri="{EFAFB233-063F-42B5-8137-9DF3F51BA10A}">
-      <p15:sldGuideLst xmlns:p15="http://schemas.microsoft.com/office/powerpoint/2012/main"/>
+      <p15:sldGuideLst xmlns:p15="http://schemas.microsoft.com/office/powerpoint/2012/main" xmlns=""/>
     </p:ext>
   </p:extLst>
 </p:presentation>
@@ -243,7 +243,7 @@
           <a:p>
             <a:fld id="{13B4EEC1-59A0-6147-A616-EE74AE21FFF0}" type="datetimeFigureOut">
               <a:rPr lang="en-US" smtClean="0"/>
-              <a:t>10/16/17</a:t>
+              <a:t>2/1/2018</a:t>
             </a:fld>
             <a:endParaRPr lang="en-US"/>
           </a:p>
@@ -408,7 +408,7 @@
           <a:p>
             <a:fld id="{13B4EEC1-59A0-6147-A616-EE74AE21FFF0}" type="datetimeFigureOut">
               <a:rPr lang="en-US" smtClean="0"/>
-              <a:t>10/16/17</a:t>
+              <a:t>2/1/2018</a:t>
             </a:fld>
             <a:endParaRPr lang="en-US"/>
           </a:p>
@@ -583,7 +583,7 @@
           <a:p>
             <a:fld id="{13B4EEC1-59A0-6147-A616-EE74AE21FFF0}" type="datetimeFigureOut">
               <a:rPr lang="en-US" smtClean="0"/>
-              <a:t>10/16/17</a:t>
+              <a:t>2/1/2018</a:t>
             </a:fld>
             <a:endParaRPr lang="en-US"/>
           </a:p>
@@ -748,7 +748,7 @@
           <a:p>
             <a:fld id="{13B4EEC1-59A0-6147-A616-EE74AE21FFF0}" type="datetimeFigureOut">
               <a:rPr lang="en-US" smtClean="0"/>
-              <a:t>10/16/17</a:t>
+              <a:t>2/1/2018</a:t>
             </a:fld>
             <a:endParaRPr lang="en-US"/>
           </a:p>
@@ -987,7 +987,7 @@
           <a:p>
             <a:fld id="{13B4EEC1-59A0-6147-A616-EE74AE21FFF0}" type="datetimeFigureOut">
               <a:rPr lang="en-US" smtClean="0"/>
-              <a:t>10/16/17</a:t>
+              <a:t>2/1/2018</a:t>
             </a:fld>
             <a:endParaRPr lang="en-US"/>
           </a:p>
@@ -1214,7 +1214,7 @@
           <a:p>
             <a:fld id="{13B4EEC1-59A0-6147-A616-EE74AE21FFF0}" type="datetimeFigureOut">
               <a:rPr lang="en-US" smtClean="0"/>
-              <a:t>10/16/17</a:t>
+              <a:t>2/1/2018</a:t>
             </a:fld>
             <a:endParaRPr lang="en-US"/>
           </a:p>
@@ -1576,7 +1576,7 @@
           <a:p>
             <a:fld id="{13B4EEC1-59A0-6147-A616-EE74AE21FFF0}" type="datetimeFigureOut">
               <a:rPr lang="en-US" smtClean="0"/>
-              <a:t>10/16/17</a:t>
+              <a:t>2/1/2018</a:t>
             </a:fld>
             <a:endParaRPr lang="en-US"/>
           </a:p>
@@ -1689,7 +1689,7 @@
           <a:p>
             <a:fld id="{13B4EEC1-59A0-6147-A616-EE74AE21FFF0}" type="datetimeFigureOut">
               <a:rPr lang="en-US" smtClean="0"/>
-              <a:t>10/16/17</a:t>
+              <a:t>2/1/2018</a:t>
             </a:fld>
             <a:endParaRPr lang="en-US"/>
           </a:p>
@@ -1779,7 +1779,7 @@
           <a:p>
             <a:fld id="{13B4EEC1-59A0-6147-A616-EE74AE21FFF0}" type="datetimeFigureOut">
               <a:rPr lang="en-US" smtClean="0"/>
-              <a:t>10/16/17</a:t>
+              <a:t>2/1/2018</a:t>
             </a:fld>
             <a:endParaRPr lang="en-US"/>
           </a:p>
@@ -2051,7 +2051,7 @@
           <a:p>
             <a:fld id="{13B4EEC1-59A0-6147-A616-EE74AE21FFF0}" type="datetimeFigureOut">
               <a:rPr lang="en-US" smtClean="0"/>
-              <a:t>10/16/17</a:t>
+              <a:t>2/1/2018</a:t>
             </a:fld>
             <a:endParaRPr lang="en-US"/>
           </a:p>
@@ -2303,7 +2303,7 @@
           <a:p>
             <a:fld id="{13B4EEC1-59A0-6147-A616-EE74AE21FFF0}" type="datetimeFigureOut">
               <a:rPr lang="en-US" smtClean="0"/>
-              <a:t>10/16/17</a:t>
+              <a:t>2/1/2018</a:t>
             </a:fld>
             <a:endParaRPr lang="en-US"/>
           </a:p>
@@ -2511,7 +2511,7 @@
           <a:p>
             <a:fld id="{13B4EEC1-59A0-6147-A616-EE74AE21FFF0}" type="datetimeFigureOut">
               <a:rPr lang="en-US" smtClean="0"/>
-              <a:t>10/16/17</a:t>
+              <a:t>2/1/2018</a:t>
             </a:fld>
             <a:endParaRPr lang="en-US"/>
           </a:p>
@@ -3172,7 +3172,7 @@
       </p:sp>
       <p:pic>
         <p:nvPicPr>
-          <p:cNvPr id="12" name="Picture 11"/>
+          <p:cNvPr id="2" name="Picture 1"/>
           <p:cNvPicPr>
             <a:picLocks noChangeAspect="1"/>
           </p:cNvPicPr>
@@ -3192,8 +3192,8 @@
         </p:blipFill>
         <p:spPr>
           <a:xfrm>
-            <a:off x="325450" y="17531371"/>
-            <a:ext cx="7084223" cy="5105324"/>
+            <a:off x="36695" y="17531371"/>
+            <a:ext cx="7177898" cy="5105324"/>
           </a:xfrm>
           <a:prstGeom prst="rect">
             <a:avLst/>
@@ -3202,7 +3202,7 @@
       </p:pic>
       <p:pic>
         <p:nvPicPr>
-          <p:cNvPr id="13" name="Picture 12"/>
+          <p:cNvPr id="3" name="Picture 2"/>
           <p:cNvPicPr>
             <a:picLocks noChangeAspect="1"/>
           </p:cNvPicPr>
@@ -3222,8 +3222,8 @@
         </p:blipFill>
         <p:spPr>
           <a:xfrm>
-            <a:off x="325450" y="11949760"/>
-            <a:ext cx="7084222" cy="5105324"/>
+            <a:off x="36695" y="11871555"/>
+            <a:ext cx="7177899" cy="5105324"/>
           </a:xfrm>
           <a:prstGeom prst="rect">
             <a:avLst/>
@@ -3232,7 +3232,7 @@
       </p:pic>
       <p:pic>
         <p:nvPicPr>
-          <p:cNvPr id="14" name="Picture 13"/>
+          <p:cNvPr id="4" name="Picture 3"/>
           <p:cNvPicPr>
             <a:picLocks noChangeAspect="1"/>
           </p:cNvPicPr>
@@ -3252,8 +3252,8 @@
         </p:blipFill>
         <p:spPr>
           <a:xfrm>
-            <a:off x="7409671" y="17531371"/>
-            <a:ext cx="7084223" cy="5105324"/>
+            <a:off x="7214593" y="17531371"/>
+            <a:ext cx="7177898" cy="5105324"/>
           </a:xfrm>
           <a:prstGeom prst="rect">
             <a:avLst/>
@@ -3262,7 +3262,7 @@
       </p:pic>
       <p:pic>
         <p:nvPicPr>
-          <p:cNvPr id="15" name="Picture 14"/>
+          <p:cNvPr id="5" name="Picture 4"/>
           <p:cNvPicPr>
             <a:picLocks noChangeAspect="1"/>
           </p:cNvPicPr>
@@ -3282,8 +3282,8 @@
         </p:blipFill>
         <p:spPr>
           <a:xfrm>
-            <a:off x="7409670" y="11949760"/>
-            <a:ext cx="7084223" cy="5105324"/>
+            <a:off x="7214592" y="11867290"/>
+            <a:ext cx="7183895" cy="5109589"/>
           </a:xfrm>
           <a:prstGeom prst="rect">
             <a:avLst/>
@@ -3292,7 +3292,7 @@
       </p:pic>
       <p:pic>
         <p:nvPicPr>
-          <p:cNvPr id="16" name="Picture 15"/>
+          <p:cNvPr id="6" name="Picture 5"/>
           <p:cNvPicPr>
             <a:picLocks noChangeAspect="1"/>
           </p:cNvPicPr>
@@ -3312,8 +3312,8 @@
         </p:blipFill>
         <p:spPr>
           <a:xfrm>
-            <a:off x="7409669" y="6241944"/>
-            <a:ext cx="7084223" cy="5105324"/>
+            <a:off x="7214591" y="6248520"/>
+            <a:ext cx="7204221" cy="5124046"/>
           </a:xfrm>
           <a:prstGeom prst="rect">
             <a:avLst/>
@@ -3322,7 +3322,7 @@
       </p:pic>
       <p:pic>
         <p:nvPicPr>
-          <p:cNvPr id="17" name="Picture 16"/>
+          <p:cNvPr id="7" name="Picture 6"/>
           <p:cNvPicPr>
             <a:picLocks noChangeAspect="1"/>
           </p:cNvPicPr>
@@ -3342,8 +3342,8 @@
         </p:blipFill>
         <p:spPr>
           <a:xfrm>
-            <a:off x="14493891" y="17531371"/>
-            <a:ext cx="7084223" cy="5105324"/>
+            <a:off x="14412763" y="17531371"/>
+            <a:ext cx="7177898" cy="5105324"/>
           </a:xfrm>
           <a:prstGeom prst="rect">
             <a:avLst/>
@@ -3352,7 +3352,7 @@
       </p:pic>
       <p:pic>
         <p:nvPicPr>
-          <p:cNvPr id="18" name="Picture 17"/>
+          <p:cNvPr id="8" name="Picture 7"/>
           <p:cNvPicPr>
             <a:picLocks noChangeAspect="1"/>
           </p:cNvPicPr>
@@ -3372,8 +3372,8 @@
         </p:blipFill>
         <p:spPr>
           <a:xfrm>
-            <a:off x="14493891" y="11949760"/>
-            <a:ext cx="7084222" cy="5105324"/>
+            <a:off x="14420731" y="11867290"/>
+            <a:ext cx="7183894" cy="5109589"/>
           </a:xfrm>
           <a:prstGeom prst="rect">
             <a:avLst/>
@@ -3382,7 +3382,7 @@
       </p:pic>
       <p:pic>
         <p:nvPicPr>
-          <p:cNvPr id="19" name="Picture 18"/>
+          <p:cNvPr id="9" name="Picture 8"/>
           <p:cNvPicPr>
             <a:picLocks noChangeAspect="1"/>
           </p:cNvPicPr>
@@ -3402,8 +3402,8 @@
         </p:blipFill>
         <p:spPr>
           <a:xfrm>
-            <a:off x="21578112" y="17531371"/>
-            <a:ext cx="7084222" cy="5105324"/>
+            <a:off x="21590661" y="17531371"/>
+            <a:ext cx="7177898" cy="5105324"/>
           </a:xfrm>
           <a:prstGeom prst="rect">
             <a:avLst/>
@@ -3412,7 +3412,7 @@
       </p:pic>
       <p:pic>
         <p:nvPicPr>
-          <p:cNvPr id="20" name="Picture 19"/>
+          <p:cNvPr id="10" name="Picture 9"/>
           <p:cNvPicPr>
             <a:picLocks noChangeAspect="1"/>
           </p:cNvPicPr>
@@ -3432,8 +3432,8 @@
         </p:blipFill>
         <p:spPr>
           <a:xfrm>
-            <a:off x="21578111" y="11949760"/>
-            <a:ext cx="7084223" cy="5105324"/>
+            <a:off x="21622192" y="11867290"/>
+            <a:ext cx="7183895" cy="5109589"/>
           </a:xfrm>
           <a:prstGeom prst="rect">
             <a:avLst/>
@@ -3442,7 +3442,7 @@
       </p:pic>
       <p:pic>
         <p:nvPicPr>
-          <p:cNvPr id="21" name="Picture 20"/>
+          <p:cNvPr id="11" name="Picture 10"/>
           <p:cNvPicPr>
             <a:picLocks noChangeAspect="1"/>
           </p:cNvPicPr>
@@ -3462,8 +3462,8 @@
         </p:blipFill>
         <p:spPr>
           <a:xfrm>
-            <a:off x="14493891" y="6241946"/>
-            <a:ext cx="7084220" cy="5105322"/>
+            <a:off x="14420731" y="6248520"/>
+            <a:ext cx="7201008" cy="5121761"/>
           </a:xfrm>
           <a:prstGeom prst="rect">
             <a:avLst/>
@@ -3472,7 +3472,7 @@
       </p:pic>
       <p:pic>
         <p:nvPicPr>
-          <p:cNvPr id="22" name="Picture 21"/>
+          <p:cNvPr id="18" name="Picture 17"/>
           <p:cNvPicPr>
             <a:picLocks noChangeAspect="1"/>
           </p:cNvPicPr>
@@ -3492,8 +3492,8 @@
         </p:blipFill>
         <p:spPr>
           <a:xfrm>
-            <a:off x="21578110" y="6241944"/>
-            <a:ext cx="7084223" cy="5105324"/>
+            <a:off x="21606148" y="6248520"/>
+            <a:ext cx="7202615" cy="5122904"/>
           </a:xfrm>
           <a:prstGeom prst="rect">
             <a:avLst/>
@@ -3502,7 +3502,7 @@
       </p:pic>
       <p:pic>
         <p:nvPicPr>
-          <p:cNvPr id="23" name="Picture 22"/>
+          <p:cNvPr id="19" name="Picture 18"/>
           <p:cNvPicPr>
             <a:picLocks noChangeAspect="1"/>
           </p:cNvPicPr>
@@ -3522,8 +3522,8 @@
         </p:blipFill>
         <p:spPr>
           <a:xfrm>
-            <a:off x="21578109" y="534128"/>
-            <a:ext cx="7084223" cy="5105324"/>
+            <a:off x="21606147" y="665017"/>
+            <a:ext cx="7202615" cy="5122904"/>
           </a:xfrm>
           <a:prstGeom prst="rect">
             <a:avLst/>
@@ -3532,14 +3532,14 @@
       </p:pic>
       <p:sp>
         <p:nvSpPr>
-          <p:cNvPr id="25" name="Rectangle 24"/>
+          <p:cNvPr id="56" name="Rectangle 55"/>
           <p:cNvSpPr/>
           <p:nvPr/>
         </p:nvSpPr>
         <p:spPr>
           <a:xfrm>
-            <a:off x="7409673" y="7647709"/>
-            <a:ext cx="293454" cy="2189018"/>
+            <a:off x="816475" y="16440150"/>
+            <a:ext cx="27952084" cy="563338"/>
           </a:xfrm>
           <a:prstGeom prst="rect">
             <a:avLst/>
@@ -3580,14 +3580,14 @@
       </p:sp>
       <p:sp>
         <p:nvSpPr>
-          <p:cNvPr id="26" name="Rectangle 25"/>
+          <p:cNvPr id="57" name="Rectangle 56"/>
           <p:cNvSpPr/>
           <p:nvPr/>
         </p:nvSpPr>
         <p:spPr>
           <a:xfrm>
-            <a:off x="14530741" y="7657243"/>
-            <a:ext cx="293454" cy="2189018"/>
+            <a:off x="816475" y="22098000"/>
+            <a:ext cx="27952084" cy="538695"/>
           </a:xfrm>
           <a:prstGeom prst="rect">
             <a:avLst/>
@@ -3622,20 +3622,20 @@
           <a:lstStyle/>
           <a:p>
             <a:pPr algn="ctr"/>
-            <a:endParaRPr lang="en-US" baseline="-25000" dirty="0"/>
-          </a:p>
-        </p:txBody>
-      </p:sp>
-      <p:sp>
-        <p:nvSpPr>
-          <p:cNvPr id="28" name="Rectangle 27"/>
+            <a:endParaRPr lang="en-US"/>
+          </a:p>
+        </p:txBody>
+      </p:sp>
+      <p:sp>
+        <p:nvSpPr>
+          <p:cNvPr id="58" name="Rectangle 57"/>
           <p:cNvSpPr/>
           <p:nvPr/>
         </p:nvSpPr>
         <p:spPr>
           <a:xfrm>
-            <a:off x="21587687" y="7527998"/>
-            <a:ext cx="293454" cy="2189018"/>
+            <a:off x="7809469" y="10839450"/>
+            <a:ext cx="20959090" cy="572408"/>
           </a:xfrm>
           <a:prstGeom prst="rect">
             <a:avLst/>
@@ -3676,14 +3676,14 @@
       </p:sp>
       <p:sp>
         <p:nvSpPr>
-          <p:cNvPr id="31" name="Rectangle 30"/>
+          <p:cNvPr id="59" name="Rectangle 58"/>
           <p:cNvSpPr/>
           <p:nvPr/>
         </p:nvSpPr>
         <p:spPr>
           <a:xfrm>
-            <a:off x="21604862" y="1863602"/>
-            <a:ext cx="293454" cy="2189018"/>
+            <a:off x="22383750" y="5276850"/>
+            <a:ext cx="6416675" cy="549171"/>
           </a:xfrm>
           <a:prstGeom prst="rect">
             <a:avLst/>
@@ -3724,14 +3724,14 @@
       </p:sp>
       <p:sp>
         <p:nvSpPr>
-          <p:cNvPr id="32" name="Rectangle 31"/>
+          <p:cNvPr id="60" name="Rectangle 59"/>
           <p:cNvSpPr/>
           <p:nvPr/>
         </p:nvSpPr>
         <p:spPr>
           <a:xfrm>
-            <a:off x="21587688" y="13329657"/>
-            <a:ext cx="293454" cy="2189018"/>
+            <a:off x="21578109" y="400050"/>
+            <a:ext cx="938991" cy="22078801"/>
           </a:xfrm>
           <a:prstGeom prst="rect">
             <a:avLst/>
@@ -3772,14 +3772,14 @@
       </p:sp>
       <p:sp>
         <p:nvSpPr>
-          <p:cNvPr id="33" name="Rectangle 32"/>
+          <p:cNvPr id="61" name="Rectangle 60"/>
           <p:cNvSpPr/>
           <p:nvPr/>
         </p:nvSpPr>
         <p:spPr>
           <a:xfrm>
-            <a:off x="14468987" y="13260383"/>
-            <a:ext cx="293454" cy="2189018"/>
+            <a:off x="14418813" y="6248521"/>
+            <a:ext cx="935487" cy="16230330"/>
           </a:xfrm>
           <a:prstGeom prst="rect">
             <a:avLst/>
@@ -3820,14 +3820,14 @@
       </p:sp>
       <p:sp>
         <p:nvSpPr>
-          <p:cNvPr id="34" name="Rectangle 33"/>
+          <p:cNvPr id="62" name="Rectangle 61"/>
           <p:cNvSpPr/>
           <p:nvPr/>
         </p:nvSpPr>
         <p:spPr>
           <a:xfrm>
-            <a:off x="7415346" y="13064440"/>
-            <a:ext cx="293454" cy="2189018"/>
+            <a:off x="7261435" y="6248520"/>
+            <a:ext cx="837295" cy="16230331"/>
           </a:xfrm>
           <a:prstGeom prst="rect">
             <a:avLst/>
@@ -3868,934 +3868,14 @@
       </p:sp>
       <p:sp>
         <p:nvSpPr>
-          <p:cNvPr id="35" name="Rectangle 34"/>
+          <p:cNvPr id="63" name="Rectangle 62"/>
           <p:cNvSpPr/>
           <p:nvPr/>
         </p:nvSpPr>
         <p:spPr>
           <a:xfrm>
-            <a:off x="325451" y="13260383"/>
-            <a:ext cx="293454" cy="2189018"/>
-          </a:xfrm>
-          <a:prstGeom prst="rect">
-            <a:avLst/>
-          </a:prstGeom>
-          <a:solidFill>
-            <a:schemeClr val="bg1"/>
-          </a:solidFill>
-          <a:ln>
-            <a:solidFill>
-              <a:schemeClr val="bg1"/>
-            </a:solidFill>
-          </a:ln>
-        </p:spPr>
-        <p:style>
-          <a:lnRef idx="2">
-            <a:schemeClr val="accent1">
-              <a:shade val="50000"/>
-            </a:schemeClr>
-          </a:lnRef>
-          <a:fillRef idx="1">
-            <a:schemeClr val="accent1"/>
-          </a:fillRef>
-          <a:effectRef idx="0">
-            <a:schemeClr val="accent1"/>
-          </a:effectRef>
-          <a:fontRef idx="minor">
-            <a:schemeClr val="lt1"/>
-          </a:fontRef>
-        </p:style>
-        <p:txBody>
-          <a:bodyPr rtlCol="0" anchor="ctr"/>
-          <a:lstStyle/>
-          <a:p>
-            <a:pPr algn="ctr"/>
-            <a:endParaRPr lang="en-US"/>
-          </a:p>
-        </p:txBody>
-      </p:sp>
-      <p:sp>
-        <p:nvSpPr>
-          <p:cNvPr id="36" name="Rectangle 35"/>
-          <p:cNvSpPr/>
-          <p:nvPr/>
-        </p:nvSpPr>
-        <p:spPr>
-          <a:xfrm rot="16200000">
-            <a:off x="-3076816" y="11085577"/>
-            <a:ext cx="6899343" cy="501505"/>
-          </a:xfrm>
-          <a:prstGeom prst="rect">
-            <a:avLst/>
-          </a:prstGeom>
-          <a:solidFill>
-            <a:schemeClr val="bg1"/>
-          </a:solidFill>
-          <a:ln>
-            <a:solidFill>
-              <a:schemeClr val="bg1"/>
-            </a:solidFill>
-          </a:ln>
-        </p:spPr>
-        <p:style>
-          <a:lnRef idx="2">
-            <a:schemeClr val="accent1">
-              <a:shade val="50000"/>
-            </a:schemeClr>
-          </a:lnRef>
-          <a:fillRef idx="1">
-            <a:schemeClr val="accent1"/>
-          </a:fillRef>
-          <a:effectRef idx="0">
-            <a:schemeClr val="accent1"/>
-          </a:effectRef>
-          <a:fontRef idx="minor">
-            <a:schemeClr val="lt1"/>
-          </a:fontRef>
-        </p:style>
-        <p:txBody>
-          <a:bodyPr rtlCol="0" anchor="ctr"/>
-          <a:lstStyle/>
-          <a:p>
-            <a:pPr algn="ctr"/>
-            <a:r>
-              <a:rPr lang="en-US" sz="2800" b="1" dirty="0" smtClean="0">
-                <a:solidFill>
-                  <a:sysClr val="windowText" lastClr="000000"/>
-                </a:solidFill>
-              </a:rPr>
-              <a:t>Current (</a:t>
-            </a:r>
-            <a:r>
-              <a:rPr lang="en-US" sz="2800" b="1" dirty="0" err="1" smtClean="0">
-                <a:solidFill>
-                  <a:sysClr val="windowText" lastClr="000000"/>
-                </a:solidFill>
-              </a:rPr>
-              <a:t>pA</a:t>
-            </a:r>
-            <a:r>
-              <a:rPr lang="en-US" sz="2800" b="1" dirty="0" smtClean="0">
-                <a:solidFill>
-                  <a:sysClr val="windowText" lastClr="000000"/>
-                </a:solidFill>
-              </a:rPr>
-              <a:t>)</a:t>
-            </a:r>
-            <a:endParaRPr lang="en-US" sz="2800" b="1" dirty="0">
-              <a:solidFill>
-                <a:sysClr val="windowText" lastClr="000000"/>
-              </a:solidFill>
-            </a:endParaRPr>
-          </a:p>
-        </p:txBody>
-      </p:sp>
-      <p:sp>
-        <p:nvSpPr>
-          <p:cNvPr id="37" name="Rectangle 36"/>
-          <p:cNvSpPr/>
-          <p:nvPr/>
-        </p:nvSpPr>
-        <p:spPr>
-          <a:xfrm>
-            <a:off x="24903186" y="5367148"/>
-            <a:ext cx="974333" cy="238401"/>
-          </a:xfrm>
-          <a:prstGeom prst="rect">
-            <a:avLst/>
-          </a:prstGeom>
-          <a:solidFill>
-            <a:schemeClr val="bg1"/>
-          </a:solidFill>
-          <a:ln>
-            <a:solidFill>
-              <a:schemeClr val="bg1"/>
-            </a:solidFill>
-          </a:ln>
-        </p:spPr>
-        <p:style>
-          <a:lnRef idx="2">
-            <a:schemeClr val="accent1">
-              <a:shade val="50000"/>
-            </a:schemeClr>
-          </a:lnRef>
-          <a:fillRef idx="1">
-            <a:schemeClr val="accent1"/>
-          </a:fillRef>
-          <a:effectRef idx="0">
-            <a:schemeClr val="accent1"/>
-          </a:effectRef>
-          <a:fontRef idx="minor">
-            <a:schemeClr val="lt1"/>
-          </a:fontRef>
-        </p:style>
-        <p:txBody>
-          <a:bodyPr rtlCol="0" anchor="ctr"/>
-          <a:lstStyle/>
-          <a:p>
-            <a:pPr algn="ctr"/>
-            <a:endParaRPr lang="en-US"/>
-          </a:p>
-        </p:txBody>
-      </p:sp>
-      <p:sp>
-        <p:nvSpPr>
-          <p:cNvPr id="38" name="Rectangle 37"/>
-          <p:cNvSpPr/>
-          <p:nvPr/>
-        </p:nvSpPr>
-        <p:spPr>
-          <a:xfrm>
-            <a:off x="24891923" y="11037068"/>
-            <a:ext cx="974333" cy="238401"/>
-          </a:xfrm>
-          <a:prstGeom prst="rect">
-            <a:avLst/>
-          </a:prstGeom>
-          <a:solidFill>
-            <a:schemeClr val="bg1"/>
-          </a:solidFill>
-          <a:ln>
-            <a:solidFill>
-              <a:schemeClr val="bg1"/>
-            </a:solidFill>
-          </a:ln>
-        </p:spPr>
-        <p:style>
-          <a:lnRef idx="2">
-            <a:schemeClr val="accent1">
-              <a:shade val="50000"/>
-            </a:schemeClr>
-          </a:lnRef>
-          <a:fillRef idx="1">
-            <a:schemeClr val="accent1"/>
-          </a:fillRef>
-          <a:effectRef idx="0">
-            <a:schemeClr val="accent1"/>
-          </a:effectRef>
-          <a:fontRef idx="minor">
-            <a:schemeClr val="lt1"/>
-          </a:fontRef>
-        </p:style>
-        <p:txBody>
-          <a:bodyPr rtlCol="0" anchor="ctr"/>
-          <a:lstStyle/>
-          <a:p>
-            <a:pPr algn="ctr"/>
-            <a:endParaRPr lang="en-US"/>
-          </a:p>
-        </p:txBody>
-      </p:sp>
-      <p:sp>
-        <p:nvSpPr>
-          <p:cNvPr id="39" name="Rectangle 38"/>
-          <p:cNvSpPr/>
-          <p:nvPr/>
-        </p:nvSpPr>
-        <p:spPr>
-          <a:xfrm>
-            <a:off x="17813637" y="11050874"/>
-            <a:ext cx="974333" cy="238401"/>
-          </a:xfrm>
-          <a:prstGeom prst="rect">
-            <a:avLst/>
-          </a:prstGeom>
-          <a:solidFill>
-            <a:schemeClr val="bg1"/>
-          </a:solidFill>
-          <a:ln>
-            <a:solidFill>
-              <a:schemeClr val="bg1"/>
-            </a:solidFill>
-          </a:ln>
-        </p:spPr>
-        <p:style>
-          <a:lnRef idx="2">
-            <a:schemeClr val="accent1">
-              <a:shade val="50000"/>
-            </a:schemeClr>
-          </a:lnRef>
-          <a:fillRef idx="1">
-            <a:schemeClr val="accent1"/>
-          </a:fillRef>
-          <a:effectRef idx="0">
-            <a:schemeClr val="accent1"/>
-          </a:effectRef>
-          <a:fontRef idx="minor">
-            <a:schemeClr val="lt1"/>
-          </a:fontRef>
-        </p:style>
-        <p:txBody>
-          <a:bodyPr rtlCol="0" anchor="ctr"/>
-          <a:lstStyle/>
-          <a:p>
-            <a:pPr algn="ctr"/>
-            <a:endParaRPr lang="en-US"/>
-          </a:p>
-        </p:txBody>
-      </p:sp>
-      <p:sp>
-        <p:nvSpPr>
-          <p:cNvPr id="40" name="Rectangle 39"/>
-          <p:cNvSpPr/>
-          <p:nvPr/>
-        </p:nvSpPr>
-        <p:spPr>
-          <a:xfrm>
-            <a:off x="10711362" y="11037017"/>
-            <a:ext cx="974333" cy="238401"/>
-          </a:xfrm>
-          <a:prstGeom prst="rect">
-            <a:avLst/>
-          </a:prstGeom>
-          <a:solidFill>
-            <a:schemeClr val="bg1"/>
-          </a:solidFill>
-          <a:ln>
-            <a:solidFill>
-              <a:schemeClr val="bg1"/>
-            </a:solidFill>
-          </a:ln>
-        </p:spPr>
-        <p:style>
-          <a:lnRef idx="2">
-            <a:schemeClr val="accent1">
-              <a:shade val="50000"/>
-            </a:schemeClr>
-          </a:lnRef>
-          <a:fillRef idx="1">
-            <a:schemeClr val="accent1"/>
-          </a:fillRef>
-          <a:effectRef idx="0">
-            <a:schemeClr val="accent1"/>
-          </a:effectRef>
-          <a:fontRef idx="minor">
-            <a:schemeClr val="lt1"/>
-          </a:fontRef>
-        </p:style>
-        <p:txBody>
-          <a:bodyPr rtlCol="0" anchor="ctr"/>
-          <a:lstStyle/>
-          <a:p>
-            <a:pPr algn="ctr"/>
-            <a:endParaRPr lang="en-US"/>
-          </a:p>
-        </p:txBody>
-      </p:sp>
-      <p:sp>
-        <p:nvSpPr>
-          <p:cNvPr id="41" name="Rectangle 40"/>
-          <p:cNvSpPr/>
-          <p:nvPr/>
-        </p:nvSpPr>
-        <p:spPr>
-          <a:xfrm>
-            <a:off x="24864214" y="16752025"/>
-            <a:ext cx="974333" cy="238401"/>
-          </a:xfrm>
-          <a:prstGeom prst="rect">
-            <a:avLst/>
-          </a:prstGeom>
-          <a:solidFill>
-            <a:schemeClr val="bg1"/>
-          </a:solidFill>
-          <a:ln>
-            <a:solidFill>
-              <a:schemeClr val="bg1"/>
-            </a:solidFill>
-          </a:ln>
-        </p:spPr>
-        <p:style>
-          <a:lnRef idx="2">
-            <a:schemeClr val="accent1">
-              <a:shade val="50000"/>
-            </a:schemeClr>
-          </a:lnRef>
-          <a:fillRef idx="1">
-            <a:schemeClr val="accent1"/>
-          </a:fillRef>
-          <a:effectRef idx="0">
-            <a:schemeClr val="accent1"/>
-          </a:effectRef>
-          <a:fontRef idx="minor">
-            <a:schemeClr val="lt1"/>
-          </a:fontRef>
-        </p:style>
-        <p:txBody>
-          <a:bodyPr rtlCol="0" anchor="ctr"/>
-          <a:lstStyle/>
-          <a:p>
-            <a:pPr algn="ctr"/>
-            <a:endParaRPr lang="en-US"/>
-          </a:p>
-        </p:txBody>
-      </p:sp>
-      <p:sp>
-        <p:nvSpPr>
-          <p:cNvPr id="42" name="Rectangle 41"/>
-          <p:cNvSpPr/>
-          <p:nvPr/>
-        </p:nvSpPr>
-        <p:spPr>
-          <a:xfrm>
-            <a:off x="24865135" y="22348153"/>
-            <a:ext cx="974333" cy="238401"/>
-          </a:xfrm>
-          <a:prstGeom prst="rect">
-            <a:avLst/>
-          </a:prstGeom>
-          <a:solidFill>
-            <a:schemeClr val="bg1"/>
-          </a:solidFill>
-          <a:ln>
-            <a:solidFill>
-              <a:schemeClr val="bg1"/>
-            </a:solidFill>
-          </a:ln>
-        </p:spPr>
-        <p:style>
-          <a:lnRef idx="2">
-            <a:schemeClr val="accent1">
-              <a:shade val="50000"/>
-            </a:schemeClr>
-          </a:lnRef>
-          <a:fillRef idx="1">
-            <a:schemeClr val="accent1"/>
-          </a:fillRef>
-          <a:effectRef idx="0">
-            <a:schemeClr val="accent1"/>
-          </a:effectRef>
-          <a:fontRef idx="minor">
-            <a:schemeClr val="lt1"/>
-          </a:fontRef>
-        </p:style>
-        <p:txBody>
-          <a:bodyPr rtlCol="0" anchor="ctr"/>
-          <a:lstStyle/>
-          <a:p>
-            <a:pPr algn="ctr"/>
-            <a:endParaRPr lang="en-US"/>
-          </a:p>
-        </p:txBody>
-      </p:sp>
-      <p:sp>
-        <p:nvSpPr>
-          <p:cNvPr id="43" name="Rectangle 42"/>
-          <p:cNvSpPr/>
-          <p:nvPr/>
-        </p:nvSpPr>
-        <p:spPr>
-          <a:xfrm>
-            <a:off x="17772073" y="16752025"/>
-            <a:ext cx="974333" cy="238401"/>
-          </a:xfrm>
-          <a:prstGeom prst="rect">
-            <a:avLst/>
-          </a:prstGeom>
-          <a:solidFill>
-            <a:schemeClr val="bg1"/>
-          </a:solidFill>
-          <a:ln>
-            <a:solidFill>
-              <a:schemeClr val="bg1"/>
-            </a:solidFill>
-          </a:ln>
-        </p:spPr>
-        <p:style>
-          <a:lnRef idx="2">
-            <a:schemeClr val="accent1">
-              <a:shade val="50000"/>
-            </a:schemeClr>
-          </a:lnRef>
-          <a:fillRef idx="1">
-            <a:schemeClr val="accent1"/>
-          </a:fillRef>
-          <a:effectRef idx="0">
-            <a:schemeClr val="accent1"/>
-          </a:effectRef>
-          <a:fontRef idx="minor">
-            <a:schemeClr val="lt1"/>
-          </a:fontRef>
-        </p:style>
-        <p:txBody>
-          <a:bodyPr rtlCol="0" anchor="ctr"/>
-          <a:lstStyle/>
-          <a:p>
-            <a:pPr algn="ctr"/>
-            <a:endParaRPr lang="en-US"/>
-          </a:p>
-        </p:txBody>
-      </p:sp>
-      <p:sp>
-        <p:nvSpPr>
-          <p:cNvPr id="44" name="Rectangle 43"/>
-          <p:cNvSpPr/>
-          <p:nvPr/>
-        </p:nvSpPr>
-        <p:spPr>
-          <a:xfrm>
-            <a:off x="10743790" y="16763007"/>
-            <a:ext cx="974333" cy="238401"/>
-          </a:xfrm>
-          <a:prstGeom prst="rect">
-            <a:avLst/>
-          </a:prstGeom>
-          <a:solidFill>
-            <a:schemeClr val="bg1"/>
-          </a:solidFill>
-          <a:ln>
-            <a:solidFill>
-              <a:schemeClr val="bg1"/>
-            </a:solidFill>
-          </a:ln>
-        </p:spPr>
-        <p:style>
-          <a:lnRef idx="2">
-            <a:schemeClr val="accent1">
-              <a:shade val="50000"/>
-            </a:schemeClr>
-          </a:lnRef>
-          <a:fillRef idx="1">
-            <a:schemeClr val="accent1"/>
-          </a:fillRef>
-          <a:effectRef idx="0">
-            <a:schemeClr val="accent1"/>
-          </a:effectRef>
-          <a:fontRef idx="minor">
-            <a:schemeClr val="lt1"/>
-          </a:fontRef>
-        </p:style>
-        <p:txBody>
-          <a:bodyPr rtlCol="0" anchor="ctr"/>
-          <a:lstStyle/>
-          <a:p>
-            <a:pPr algn="ctr"/>
-            <a:endParaRPr lang="en-US"/>
-          </a:p>
-        </p:txBody>
-      </p:sp>
-      <p:sp>
-        <p:nvSpPr>
-          <p:cNvPr id="45" name="Rectangle 44"/>
-          <p:cNvSpPr/>
-          <p:nvPr/>
-        </p:nvSpPr>
-        <p:spPr>
-          <a:xfrm>
-            <a:off x="17785929" y="22354936"/>
-            <a:ext cx="974333" cy="238401"/>
-          </a:xfrm>
-          <a:prstGeom prst="rect">
-            <a:avLst/>
-          </a:prstGeom>
-          <a:solidFill>
-            <a:schemeClr val="bg1"/>
-          </a:solidFill>
-          <a:ln>
-            <a:solidFill>
-              <a:schemeClr val="bg1"/>
-            </a:solidFill>
-          </a:ln>
-        </p:spPr>
-        <p:style>
-          <a:lnRef idx="2">
-            <a:schemeClr val="accent1">
-              <a:shade val="50000"/>
-            </a:schemeClr>
-          </a:lnRef>
-          <a:fillRef idx="1">
-            <a:schemeClr val="accent1"/>
-          </a:fillRef>
-          <a:effectRef idx="0">
-            <a:schemeClr val="accent1"/>
-          </a:effectRef>
-          <a:fontRef idx="minor">
-            <a:schemeClr val="lt1"/>
-          </a:fontRef>
-        </p:style>
-        <p:txBody>
-          <a:bodyPr rtlCol="0" anchor="ctr"/>
-          <a:lstStyle/>
-          <a:p>
-            <a:pPr algn="ctr"/>
-            <a:endParaRPr lang="en-US"/>
-          </a:p>
-        </p:txBody>
-      </p:sp>
-      <p:sp>
-        <p:nvSpPr>
-          <p:cNvPr id="46" name="Rectangle 45"/>
-          <p:cNvSpPr/>
-          <p:nvPr/>
-        </p:nvSpPr>
-        <p:spPr>
-          <a:xfrm>
-            <a:off x="10753205" y="22323900"/>
-            <a:ext cx="974333" cy="238401"/>
-          </a:xfrm>
-          <a:prstGeom prst="rect">
-            <a:avLst/>
-          </a:prstGeom>
-          <a:solidFill>
-            <a:schemeClr val="bg1"/>
-          </a:solidFill>
-          <a:ln>
-            <a:solidFill>
-              <a:schemeClr val="bg1"/>
-            </a:solidFill>
-          </a:ln>
-        </p:spPr>
-        <p:style>
-          <a:lnRef idx="2">
-            <a:schemeClr val="accent1">
-              <a:shade val="50000"/>
-            </a:schemeClr>
-          </a:lnRef>
-          <a:fillRef idx="1">
-            <a:schemeClr val="accent1"/>
-          </a:fillRef>
-          <a:effectRef idx="0">
-            <a:schemeClr val="accent1"/>
-          </a:effectRef>
-          <a:fontRef idx="minor">
-            <a:schemeClr val="lt1"/>
-          </a:fontRef>
-        </p:style>
-        <p:txBody>
-          <a:bodyPr rtlCol="0" anchor="ctr"/>
-          <a:lstStyle/>
-          <a:p>
-            <a:pPr algn="ctr"/>
-            <a:endParaRPr lang="en-US"/>
-          </a:p>
-        </p:txBody>
-      </p:sp>
-      <p:sp>
-        <p:nvSpPr>
-          <p:cNvPr id="47" name="Rectangle 46"/>
-          <p:cNvSpPr/>
-          <p:nvPr/>
-        </p:nvSpPr>
-        <p:spPr>
-          <a:xfrm>
-            <a:off x="3570895" y="16755488"/>
-            <a:ext cx="974333" cy="238401"/>
-          </a:xfrm>
-          <a:prstGeom prst="rect">
-            <a:avLst/>
-          </a:prstGeom>
-          <a:solidFill>
-            <a:schemeClr val="bg1"/>
-          </a:solidFill>
-          <a:ln>
-            <a:solidFill>
-              <a:schemeClr val="bg1"/>
-            </a:solidFill>
-          </a:ln>
-        </p:spPr>
-        <p:style>
-          <a:lnRef idx="2">
-            <a:schemeClr val="accent1">
-              <a:shade val="50000"/>
-            </a:schemeClr>
-          </a:lnRef>
-          <a:fillRef idx="1">
-            <a:schemeClr val="accent1"/>
-          </a:fillRef>
-          <a:effectRef idx="0">
-            <a:schemeClr val="accent1"/>
-          </a:effectRef>
-          <a:fontRef idx="minor">
-            <a:schemeClr val="lt1"/>
-          </a:fontRef>
-        </p:style>
-        <p:txBody>
-          <a:bodyPr rtlCol="0" anchor="ctr"/>
-          <a:lstStyle/>
-          <a:p>
-            <a:pPr algn="ctr"/>
-            <a:endParaRPr lang="en-US"/>
-          </a:p>
-        </p:txBody>
-      </p:sp>
-      <p:sp>
-        <p:nvSpPr>
-          <p:cNvPr id="48" name="Rectangle 47"/>
-          <p:cNvSpPr/>
-          <p:nvPr/>
-        </p:nvSpPr>
-        <p:spPr>
-          <a:xfrm>
-            <a:off x="3570894" y="22323900"/>
-            <a:ext cx="974333" cy="238401"/>
-          </a:xfrm>
-          <a:prstGeom prst="rect">
-            <a:avLst/>
-          </a:prstGeom>
-          <a:solidFill>
-            <a:schemeClr val="bg1"/>
-          </a:solidFill>
-          <a:ln>
-            <a:solidFill>
-              <a:schemeClr val="bg1"/>
-            </a:solidFill>
-          </a:ln>
-        </p:spPr>
-        <p:style>
-          <a:lnRef idx="2">
-            <a:schemeClr val="accent1">
-              <a:shade val="50000"/>
-            </a:schemeClr>
-          </a:lnRef>
-          <a:fillRef idx="1">
-            <a:schemeClr val="accent1"/>
-          </a:fillRef>
-          <a:effectRef idx="0">
-            <a:schemeClr val="accent1"/>
-          </a:effectRef>
-          <a:fontRef idx="minor">
-            <a:schemeClr val="lt1"/>
-          </a:fontRef>
-        </p:style>
-        <p:txBody>
-          <a:bodyPr rtlCol="0" anchor="ctr"/>
-          <a:lstStyle/>
-          <a:p>
-            <a:pPr algn="ctr"/>
-            <a:endParaRPr lang="en-US"/>
-          </a:p>
-        </p:txBody>
-      </p:sp>
-      <p:sp>
-        <p:nvSpPr>
-          <p:cNvPr id="49" name="Rectangle 48"/>
-          <p:cNvSpPr/>
-          <p:nvPr/>
-        </p:nvSpPr>
-        <p:spPr>
-          <a:xfrm>
-            <a:off x="12278625" y="22362000"/>
-            <a:ext cx="4603718" cy="563088"/>
-          </a:xfrm>
-          <a:prstGeom prst="rect">
-            <a:avLst/>
-          </a:prstGeom>
-          <a:solidFill>
-            <a:schemeClr val="bg1"/>
-          </a:solidFill>
-          <a:ln>
-            <a:solidFill>
-              <a:schemeClr val="bg1"/>
-            </a:solidFill>
-          </a:ln>
-        </p:spPr>
-        <p:style>
-          <a:lnRef idx="2">
-            <a:schemeClr val="accent1">
-              <a:shade val="50000"/>
-            </a:schemeClr>
-          </a:lnRef>
-          <a:fillRef idx="1">
-            <a:schemeClr val="accent1"/>
-          </a:fillRef>
-          <a:effectRef idx="0">
-            <a:schemeClr val="accent1"/>
-          </a:effectRef>
-          <a:fontRef idx="minor">
-            <a:schemeClr val="lt1"/>
-          </a:fontRef>
-        </p:style>
-        <p:txBody>
-          <a:bodyPr rtlCol="0" anchor="ctr"/>
-          <a:lstStyle/>
-          <a:p>
-            <a:pPr algn="ctr"/>
-            <a:r>
-              <a:rPr lang="en-US" sz="2800" b="1" dirty="0" smtClean="0">
-                <a:solidFill>
-                  <a:sysClr val="windowText" lastClr="000000"/>
-                </a:solidFill>
-              </a:rPr>
-              <a:t>Time (</a:t>
-            </a:r>
-            <a:r>
-              <a:rPr lang="en-US" sz="2800" b="1" dirty="0" err="1" smtClean="0">
-                <a:solidFill>
-                  <a:sysClr val="windowText" lastClr="000000"/>
-                </a:solidFill>
-              </a:rPr>
-              <a:t>ms</a:t>
-            </a:r>
-            <a:r>
-              <a:rPr lang="en-US" sz="2800" b="1" dirty="0" smtClean="0">
-                <a:solidFill>
-                  <a:sysClr val="windowText" lastClr="000000"/>
-                </a:solidFill>
-              </a:rPr>
-              <a:t>)</a:t>
-            </a:r>
-            <a:endParaRPr lang="en-US" sz="2800" b="1" dirty="0">
-              <a:solidFill>
-                <a:sysClr val="windowText" lastClr="000000"/>
-              </a:solidFill>
-            </a:endParaRPr>
-          </a:p>
-        </p:txBody>
-      </p:sp>
-      <p:sp>
-        <p:nvSpPr>
-          <p:cNvPr id="50" name="Rectangle 49"/>
-          <p:cNvSpPr/>
-          <p:nvPr/>
-        </p:nvSpPr>
-        <p:spPr>
-          <a:xfrm>
-            <a:off x="21573201" y="18652440"/>
-            <a:ext cx="293454" cy="2189018"/>
-          </a:xfrm>
-          <a:prstGeom prst="rect">
-            <a:avLst/>
-          </a:prstGeom>
-          <a:solidFill>
-            <a:schemeClr val="bg1"/>
-          </a:solidFill>
-          <a:ln>
-            <a:solidFill>
-              <a:schemeClr val="bg1"/>
-            </a:solidFill>
-          </a:ln>
-        </p:spPr>
-        <p:style>
-          <a:lnRef idx="2">
-            <a:schemeClr val="accent1">
-              <a:shade val="50000"/>
-            </a:schemeClr>
-          </a:lnRef>
-          <a:fillRef idx="1">
-            <a:schemeClr val="accent1"/>
-          </a:fillRef>
-          <a:effectRef idx="0">
-            <a:schemeClr val="accent1"/>
-          </a:effectRef>
-          <a:fontRef idx="minor">
-            <a:schemeClr val="lt1"/>
-          </a:fontRef>
-        </p:style>
-        <p:txBody>
-          <a:bodyPr rtlCol="0" anchor="ctr"/>
-          <a:lstStyle/>
-          <a:p>
-            <a:pPr algn="ctr"/>
-            <a:endParaRPr lang="en-US"/>
-          </a:p>
-        </p:txBody>
-      </p:sp>
-      <p:sp>
-        <p:nvSpPr>
-          <p:cNvPr id="51" name="Rectangle 50"/>
-          <p:cNvSpPr/>
-          <p:nvPr/>
-        </p:nvSpPr>
-        <p:spPr>
-          <a:xfrm>
-            <a:off x="14457193" y="18652440"/>
-            <a:ext cx="293454" cy="2189018"/>
-          </a:xfrm>
-          <a:prstGeom prst="rect">
-            <a:avLst/>
-          </a:prstGeom>
-          <a:solidFill>
-            <a:schemeClr val="bg1"/>
-          </a:solidFill>
-          <a:ln>
-            <a:solidFill>
-              <a:schemeClr val="bg1"/>
-            </a:solidFill>
-          </a:ln>
-        </p:spPr>
-        <p:style>
-          <a:lnRef idx="2">
-            <a:schemeClr val="accent1">
-              <a:shade val="50000"/>
-            </a:schemeClr>
-          </a:lnRef>
-          <a:fillRef idx="1">
-            <a:schemeClr val="accent1"/>
-          </a:fillRef>
-          <a:effectRef idx="0">
-            <a:schemeClr val="accent1"/>
-          </a:effectRef>
-          <a:fontRef idx="minor">
-            <a:schemeClr val="lt1"/>
-          </a:fontRef>
-        </p:style>
-        <p:txBody>
-          <a:bodyPr rtlCol="0" anchor="ctr"/>
-          <a:lstStyle/>
-          <a:p>
-            <a:pPr algn="ctr"/>
-            <a:endParaRPr lang="en-US"/>
-          </a:p>
-        </p:txBody>
-      </p:sp>
-      <p:sp>
-        <p:nvSpPr>
-          <p:cNvPr id="52" name="Rectangle 51"/>
-          <p:cNvSpPr/>
-          <p:nvPr/>
-        </p:nvSpPr>
-        <p:spPr>
-          <a:xfrm>
-            <a:off x="7407687" y="18652440"/>
-            <a:ext cx="293454" cy="2189018"/>
-          </a:xfrm>
-          <a:prstGeom prst="rect">
-            <a:avLst/>
-          </a:prstGeom>
-          <a:solidFill>
-            <a:schemeClr val="bg1"/>
-          </a:solidFill>
-          <a:ln>
-            <a:solidFill>
-              <a:schemeClr val="bg1"/>
-            </a:solidFill>
-          </a:ln>
-        </p:spPr>
-        <p:style>
-          <a:lnRef idx="2">
-            <a:schemeClr val="accent1">
-              <a:shade val="50000"/>
-            </a:schemeClr>
-          </a:lnRef>
-          <a:fillRef idx="1">
-            <a:schemeClr val="accent1"/>
-          </a:fillRef>
-          <a:effectRef idx="0">
-            <a:schemeClr val="accent1"/>
-          </a:effectRef>
-          <a:fontRef idx="minor">
-            <a:schemeClr val="lt1"/>
-          </a:fontRef>
-        </p:style>
-        <p:txBody>
-          <a:bodyPr rtlCol="0" anchor="ctr"/>
-          <a:lstStyle/>
-          <a:p>
-            <a:pPr algn="ctr"/>
-            <a:endParaRPr lang="en-US"/>
-          </a:p>
-        </p:txBody>
-      </p:sp>
-      <p:sp>
-        <p:nvSpPr>
-          <p:cNvPr id="53" name="Rectangle 52"/>
-          <p:cNvSpPr/>
-          <p:nvPr/>
-        </p:nvSpPr>
-        <p:spPr>
-          <a:xfrm>
-            <a:off x="335095" y="18652440"/>
-            <a:ext cx="293454" cy="2189018"/>
+            <a:off x="68417" y="11867290"/>
+            <a:ext cx="836777" cy="10611561"/>
           </a:xfrm>
           <a:prstGeom prst="rect">
             <a:avLst/>
@@ -5102,7 +4182,7 @@
   <a:extraClrSchemeLst/>
   <a:extLst>
     <a:ext uri="{05A4C25C-085E-4340-85A3-A5531E510DB2}">
-      <thm15:themeFamily xmlns:thm15="http://schemas.microsoft.com/office/thememl/2012/main" name="Office Theme" id="{62F939B6-93AF-4DB8-9C6B-D6C7DFDC589F}" vid="{4A3C46E8-61CC-4603-A589-7422A47A8E4A}"/>
+      <thm15:themeFamily xmlns:thm15="http://schemas.microsoft.com/office/thememl/2012/main" xmlns="" name="Office Theme" id="{62F939B6-93AF-4DB8-9C6B-D6C7DFDC589F}" vid="{4A3C46E8-61CC-4603-A589-7422A47A8E4A}"/>
     </a:ext>
   </a:extLst>
 </a:theme>
